--- a/CourseFeedbackPresentation2.pptx
+++ b/CourseFeedbackPresentation2.pptx
@@ -7276,18 +7276,17 @@
           <p:cNvPicPr preferRelativeResize="0"/>
           <p:nvPr/>
         </p:nvPicPr>
-        <p:blipFill>
+        <p:blipFill rotWithShape="1">
           <a:blip r:embed="rId3">
             <a:alphaModFix/>
           </a:blip>
-          <a:stretch>
-            <a:fillRect/>
-          </a:stretch>
+          <a:srcRect b="61256" l="0" r="0" t="3179"/>
+          <a:stretch/>
         </p:blipFill>
         <p:spPr>
           <a:xfrm>
-            <a:off x="0" y="1147219"/>
-            <a:ext cx="9144002" cy="3230462"/>
+            <a:off x="1051263" y="1281871"/>
+            <a:ext cx="7041470" cy="3240726"/>
           </a:xfrm>
           <a:prstGeom prst="rect">
             <a:avLst/>
@@ -7409,18 +7408,17 @@
           <p:cNvPicPr preferRelativeResize="0"/>
           <p:nvPr/>
         </p:nvPicPr>
-        <p:blipFill>
+        <p:blipFill rotWithShape="1">
           <a:blip r:embed="rId3">
             <a:alphaModFix/>
           </a:blip>
-          <a:stretch>
-            <a:fillRect/>
-          </a:stretch>
+          <a:srcRect b="59177" l="0" r="0" t="3636"/>
+          <a:stretch/>
         </p:blipFill>
         <p:spPr>
           <a:xfrm>
-            <a:off x="0" y="1030070"/>
-            <a:ext cx="9143999" cy="3744310"/>
+            <a:off x="862525" y="1225226"/>
+            <a:ext cx="7231649" cy="3480052"/>
           </a:xfrm>
           <a:prstGeom prst="rect">
             <a:avLst/>
